--- a/Apresentação/Apresentação TCC - v3.pptx
+++ b/Apresentação/Apresentação TCC - v3.pptx
@@ -285,7 +285,7 @@
               <a:pPr>
                 <a:defRPr/>
               </a:pPr>
-              <a:t>16/11/2019</a:t>
+              <a:t>17/11/2019</a:t>
             </a:fld>
             <a:endParaRPr lang="pt-BR"/>
           </a:p>
@@ -364,7 +364,7 @@
               <a:pPr>
                 <a:defRPr/>
               </a:pPr>
-              <a:t>‹nº›</a:t>
+              <a:t>‹#›</a:t>
             </a:fld>
             <a:endParaRPr lang="pt-BR"/>
           </a:p>
@@ -479,7 +479,7 @@
               <a:pPr>
                 <a:defRPr/>
               </a:pPr>
-              <a:t>16/11/2019</a:t>
+              <a:t>17/11/2019</a:t>
             </a:fld>
             <a:endParaRPr lang="pt-BR"/>
           </a:p>
@@ -653,7 +653,7 @@
               <a:pPr>
                 <a:defRPr/>
               </a:pPr>
-              <a:t>‹nº›</a:t>
+              <a:t>‹#›</a:t>
             </a:fld>
             <a:endParaRPr lang="pt-BR"/>
           </a:p>
